--- a/GradPresentation仮.pptx
+++ b/GradPresentation仮.pptx
@@ -22,7 +22,7 @@
     <p:sldId id="269" r:id="rId16"/>
   </p:sldIdLst>
   <p:sldSz cx="9144000" cy="6858000" type="screen4x3"/>
-  <p:notesSz cx="6858000" cy="9144000"/>
+  <p:notesSz cx="9939338" cy="6807200"/>
   <p:defaultTextStyle>
     <a:defPPr>
       <a:defRPr lang="en-US"/>
@@ -257,7 +257,7 @@
           <a:p>
             <a:fld id="{D3EB6038-BCC7-9F4E-AFB3-532EBC5E4738}" type="datetimeFigureOut">
               <a:rPr lang="en-JP" smtClean="0"/>
-              <a:t>2024/02/08</a:t>
+              <a:t>02/08/2024</a:t>
             </a:fld>
             <a:endParaRPr lang="en-JP"/>
           </a:p>
@@ -483,7 +483,7 @@
           <a:p>
             <a:fld id="{D3EB6038-BCC7-9F4E-AFB3-532EBC5E4738}" type="datetimeFigureOut">
               <a:rPr lang="en-JP" smtClean="0"/>
-              <a:t>2024/02/08</a:t>
+              <a:t>02/08/2024</a:t>
             </a:fld>
             <a:endParaRPr lang="en-JP"/>
           </a:p>
@@ -663,7 +663,7 @@
           <a:p>
             <a:fld id="{D3EB6038-BCC7-9F4E-AFB3-532EBC5E4738}" type="datetimeFigureOut">
               <a:rPr lang="en-JP" smtClean="0"/>
-              <a:t>2024/02/08</a:t>
+              <a:t>02/08/2024</a:t>
             </a:fld>
             <a:endParaRPr lang="en-JP"/>
           </a:p>
@@ -785,7 +785,7 @@
           <a:p>
             <a:fld id="{D3EB6038-BCC7-9F4E-AFB3-532EBC5E4738}" type="datetimeFigureOut">
               <a:rPr lang="en-JP" smtClean="0"/>
-              <a:t>2024/02/08</a:t>
+              <a:t>02/08/2024</a:t>
             </a:fld>
             <a:endParaRPr lang="en-JP"/>
           </a:p>
@@ -1001,7 +1001,7 @@
           <a:p>
             <a:fld id="{D3EB6038-BCC7-9F4E-AFB3-532EBC5E4738}" type="datetimeFigureOut">
               <a:rPr lang="en-JP" smtClean="0"/>
-              <a:t>2024/02/08</a:t>
+              <a:t>02/08/2024</a:t>
             </a:fld>
             <a:endParaRPr lang="en-JP"/>
           </a:p>
@@ -1245,7 +1245,7 @@
           <a:p>
             <a:fld id="{D3EB6038-BCC7-9F4E-AFB3-532EBC5E4738}" type="datetimeFigureOut">
               <a:rPr lang="en-JP" smtClean="0"/>
-              <a:t>2024/02/08</a:t>
+              <a:t>02/08/2024</a:t>
             </a:fld>
             <a:endParaRPr lang="en-JP"/>
           </a:p>
@@ -1477,7 +1477,7 @@
           <a:p>
             <a:fld id="{D3EB6038-BCC7-9F4E-AFB3-532EBC5E4738}" type="datetimeFigureOut">
               <a:rPr lang="en-JP" smtClean="0"/>
-              <a:t>2024/02/08</a:t>
+              <a:t>02/08/2024</a:t>
             </a:fld>
             <a:endParaRPr lang="en-JP"/>
           </a:p>
@@ -1844,7 +1844,7 @@
           <a:p>
             <a:fld id="{D3EB6038-BCC7-9F4E-AFB3-532EBC5E4738}" type="datetimeFigureOut">
               <a:rPr lang="en-JP" smtClean="0"/>
-              <a:t>2024/02/08</a:t>
+              <a:t>02/08/2024</a:t>
             </a:fld>
             <a:endParaRPr lang="en-JP"/>
           </a:p>
@@ -1939,7 +1939,7 @@
           <a:p>
             <a:fld id="{D3EB6038-BCC7-9F4E-AFB3-532EBC5E4738}" type="datetimeFigureOut">
               <a:rPr lang="en-JP" smtClean="0"/>
-              <a:t>2024/02/08</a:t>
+              <a:t>02/08/2024</a:t>
             </a:fld>
             <a:endParaRPr lang="en-JP"/>
           </a:p>
@@ -2216,7 +2216,7 @@
           <a:p>
             <a:fld id="{D3EB6038-BCC7-9F4E-AFB3-532EBC5E4738}" type="datetimeFigureOut">
               <a:rPr lang="en-JP" smtClean="0"/>
-              <a:t>2024/02/08</a:t>
+              <a:t>02/08/2024</a:t>
             </a:fld>
             <a:endParaRPr lang="en-JP"/>
           </a:p>
@@ -2473,7 +2473,7 @@
           <a:p>
             <a:fld id="{D3EB6038-BCC7-9F4E-AFB3-532EBC5E4738}" type="datetimeFigureOut">
               <a:rPr lang="en-JP" smtClean="0"/>
-              <a:t>2024/02/08</a:t>
+              <a:t>02/08/2024</a:t>
             </a:fld>
             <a:endParaRPr lang="en-JP"/>
           </a:p>
@@ -2685,7 +2685,7 @@
           <a:p>
             <a:fld id="{D3EB6038-BCC7-9F4E-AFB3-532EBC5E4738}" type="datetimeFigureOut">
               <a:rPr lang="en-JP" smtClean="0"/>
-              <a:t>2024/02/08</a:t>
+              <a:t>02/08/2024</a:t>
             </a:fld>
             <a:endParaRPr lang="en-JP"/>
           </a:p>
@@ -3444,8 +3444,8 @@
           </a:p>
         </p:txBody>
       </p:sp>
-      <mc:AlternateContent xmlns:mc="http://schemas.openxmlformats.org/markup-compatibility/2006">
-        <mc:Choice xmlns:a14="http://schemas.microsoft.com/office/drawing/2010/main" Requires="a14">
+      <mc:AlternateContent xmlns:mc="http://schemas.openxmlformats.org/markup-compatibility/2006" xmlns:a14="http://schemas.microsoft.com/office/drawing/2010/main">
+        <mc:Choice Requires="a14">
           <p:sp>
             <p:nvSpPr>
               <p:cNvPr id="4" name="コンテンツ プレースホルダー 4">
@@ -3774,7 +3774,7 @@
             </p:txBody>
           </p:sp>
         </mc:Choice>
-        <mc:Fallback>
+        <mc:Fallback xmlns="">
           <p:sp>
             <p:nvSpPr>
               <p:cNvPr id="4" name="コンテンツ プレースホルダー 4">
@@ -3819,8 +3819,8 @@
           </p:sp>
         </mc:Fallback>
       </mc:AlternateContent>
-      <mc:AlternateContent xmlns:mc="http://schemas.openxmlformats.org/markup-compatibility/2006">
-        <mc:Choice xmlns:a14="http://schemas.microsoft.com/office/drawing/2010/main" Requires="a14">
+      <mc:AlternateContent xmlns:mc="http://schemas.openxmlformats.org/markup-compatibility/2006" xmlns:a14="http://schemas.microsoft.com/office/drawing/2010/main">
+        <mc:Choice Requires="a14">
           <p:sp>
             <p:nvSpPr>
               <p:cNvPr id="5" name="コンテンツ プレースホルダー 4">
@@ -4136,7 +4136,7 @@
             </p:txBody>
           </p:sp>
         </mc:Choice>
-        <mc:Fallback>
+        <mc:Fallback xmlns="">
           <p:sp>
             <p:nvSpPr>
               <p:cNvPr id="5" name="コンテンツ プレースホルダー 4">
@@ -4181,8 +4181,8 @@
           </p:sp>
         </mc:Fallback>
       </mc:AlternateContent>
-      <mc:AlternateContent xmlns:mc="http://schemas.openxmlformats.org/markup-compatibility/2006">
-        <mc:Choice xmlns:a14="http://schemas.microsoft.com/office/drawing/2010/main" Requires="a14">
+      <mc:AlternateContent xmlns:mc="http://schemas.openxmlformats.org/markup-compatibility/2006" xmlns:a14="http://schemas.microsoft.com/office/drawing/2010/main">
+        <mc:Choice Requires="a14">
           <p:sp>
             <p:nvSpPr>
               <p:cNvPr id="8" name="コンテンツ プレースホルダー 4">
@@ -4516,7 +4516,7 @@
             </p:txBody>
           </p:sp>
         </mc:Choice>
-        <mc:Fallback>
+        <mc:Fallback xmlns="">
           <p:sp>
             <p:nvSpPr>
               <p:cNvPr id="8" name="コンテンツ プレースホルダー 4">
@@ -4561,8 +4561,8 @@
           </p:sp>
         </mc:Fallback>
       </mc:AlternateContent>
-      <mc:AlternateContent xmlns:mc="http://schemas.openxmlformats.org/markup-compatibility/2006">
-        <mc:Choice xmlns:a14="http://schemas.microsoft.com/office/drawing/2010/main" Requires="a14">
+      <mc:AlternateContent xmlns:mc="http://schemas.openxmlformats.org/markup-compatibility/2006" xmlns:a14="http://schemas.microsoft.com/office/drawing/2010/main">
+        <mc:Choice Requires="a14">
           <p:sp>
             <p:nvSpPr>
               <p:cNvPr id="9" name="コンテンツ プレースホルダー 4">
@@ -5051,7 +5051,7 @@
             </p:txBody>
           </p:sp>
         </mc:Choice>
-        <mc:Fallback>
+        <mc:Fallback xmlns="">
           <p:sp>
             <p:nvSpPr>
               <p:cNvPr id="9" name="コンテンツ プレースホルダー 4">
@@ -5546,8 +5546,8 @@
             </a:p>
           </p:txBody>
         </p:sp>
-        <mc:AlternateContent xmlns:mc="http://schemas.openxmlformats.org/markup-compatibility/2006">
-          <mc:Choice xmlns:a14="http://schemas.microsoft.com/office/drawing/2010/main" Requires="a14">
+        <mc:AlternateContent xmlns:mc="http://schemas.openxmlformats.org/markup-compatibility/2006" xmlns:a14="http://schemas.microsoft.com/office/drawing/2010/main">
+          <mc:Choice Requires="a14">
             <p:sp>
               <p:nvSpPr>
                 <p:cNvPr id="17" name="3.0mm">
@@ -5573,7 +5573,7 @@
                 </a:ln>
                 <a:extLst>
                   <a:ext uri="{C572A759-6A51-4108-AA02-DFA0A04FC94B}">
-                    <ma14:wrappingTextBoxFlag xmlns:ma14="http://schemas.microsoft.com/office/mac/drawingml/2011/main" xmlns:m="http://schemas.openxmlformats.org/officeDocument/2006/math" xmlns="" val="1"/>
+                    <ma14:wrappingTextBoxFlag xmlns="" xmlns:m="http://schemas.openxmlformats.org/officeDocument/2006/math" xmlns:ma14="http://schemas.microsoft.com/office/mac/drawingml/2011/main" val="1"/>
                   </a:ext>
                 </a:extLst>
               </p:spPr>
@@ -5621,7 +5621,7 @@
               </p:txBody>
             </p:sp>
           </mc:Choice>
-          <mc:Fallback>
+          <mc:Fallback xmlns="">
             <p:sp>
               <p:nvSpPr>
                 <p:cNvPr id="17" name="3.0mm">
@@ -5674,8 +5674,8 @@
             </p:sp>
           </mc:Fallback>
         </mc:AlternateContent>
-        <mc:AlternateContent xmlns:mc="http://schemas.openxmlformats.org/markup-compatibility/2006">
-          <mc:Choice xmlns:a14="http://schemas.microsoft.com/office/drawing/2010/main" Requires="a14">
+        <mc:AlternateContent xmlns:mc="http://schemas.openxmlformats.org/markup-compatibility/2006" xmlns:a14="http://schemas.microsoft.com/office/drawing/2010/main">
+          <mc:Choice Requires="a14">
             <p:sp>
               <p:nvSpPr>
                 <p:cNvPr id="18" name="3.0mm">
@@ -5701,7 +5701,7 @@
                 </a:ln>
                 <a:extLst>
                   <a:ext uri="{C572A759-6A51-4108-AA02-DFA0A04FC94B}">
-                    <ma14:wrappingTextBoxFlag xmlns:ma14="http://schemas.microsoft.com/office/mac/drawingml/2011/main" xmlns:m="http://schemas.openxmlformats.org/officeDocument/2006/math" xmlns="" val="1"/>
+                    <ma14:wrappingTextBoxFlag xmlns="" xmlns:m="http://schemas.openxmlformats.org/officeDocument/2006/math" xmlns:ma14="http://schemas.microsoft.com/office/mac/drawingml/2011/main" val="1"/>
                   </a:ext>
                 </a:extLst>
               </p:spPr>
@@ -5749,7 +5749,7 @@
               </p:txBody>
             </p:sp>
           </mc:Choice>
-          <mc:Fallback>
+          <mc:Fallback xmlns="">
             <p:sp>
               <p:nvSpPr>
                 <p:cNvPr id="18" name="3.0mm">
@@ -5802,8 +5802,8 @@
             </p:sp>
           </mc:Fallback>
         </mc:AlternateContent>
-        <mc:AlternateContent xmlns:mc="http://schemas.openxmlformats.org/markup-compatibility/2006">
-          <mc:Choice xmlns:a14="http://schemas.microsoft.com/office/drawing/2010/main" Requires="a14">
+        <mc:AlternateContent xmlns:mc="http://schemas.openxmlformats.org/markup-compatibility/2006" xmlns:a14="http://schemas.microsoft.com/office/drawing/2010/main">
+          <mc:Choice Requires="a14">
             <p:sp>
               <p:nvSpPr>
                 <p:cNvPr id="19" name="3.0mm">
@@ -5829,7 +5829,7 @@
                 </a:ln>
                 <a:extLst>
                   <a:ext uri="{C572A759-6A51-4108-AA02-DFA0A04FC94B}">
-                    <ma14:wrappingTextBoxFlag xmlns:ma14="http://schemas.microsoft.com/office/mac/drawingml/2011/main" xmlns:m="http://schemas.openxmlformats.org/officeDocument/2006/math" xmlns="" val="1"/>
+                    <ma14:wrappingTextBoxFlag xmlns="" xmlns:m="http://schemas.openxmlformats.org/officeDocument/2006/math" xmlns:ma14="http://schemas.microsoft.com/office/mac/drawingml/2011/main" val="1"/>
                   </a:ext>
                 </a:extLst>
               </p:spPr>
@@ -5864,7 +5864,13 @@
                           <a:rPr lang="en-US" sz="2000" b="0" i="1" smtClean="0">
                             <a:latin typeface="Cambria Math" panose="02040503050406030204" pitchFamily="18" charset="0"/>
                           </a:rPr>
-                          <m:t>1 </m:t>
+                          <m:t>1</m:t>
+                        </m:r>
+                        <m:r>
+                          <a:rPr lang="en-US" sz="2000" b="0" i="1" smtClean="0">
+                            <a:latin typeface="Cambria Math" panose="02040503050406030204" pitchFamily="18" charset="0"/>
+                          </a:rPr>
+                          <m:t> </m:t>
                         </m:r>
                       </m:oMath>
                     </m:oMathPara>
@@ -5877,7 +5883,7 @@
               </p:txBody>
             </p:sp>
           </mc:Choice>
-          <mc:Fallback>
+          <mc:Fallback xmlns="">
             <p:sp>
               <p:nvSpPr>
                 <p:cNvPr id="19" name="3.0mm">
@@ -5930,8 +5936,8 @@
             </p:sp>
           </mc:Fallback>
         </mc:AlternateContent>
-        <mc:AlternateContent xmlns:mc="http://schemas.openxmlformats.org/markup-compatibility/2006">
-          <mc:Choice xmlns:a14="http://schemas.microsoft.com/office/drawing/2010/main" Requires="a14">
+        <mc:AlternateContent xmlns:mc="http://schemas.openxmlformats.org/markup-compatibility/2006" xmlns:a14="http://schemas.microsoft.com/office/drawing/2010/main">
+          <mc:Choice Requires="a14">
             <p:sp>
               <p:nvSpPr>
                 <p:cNvPr id="20" name="Equation">
@@ -5991,7 +5997,7 @@
               </p:txBody>
             </p:sp>
           </mc:Choice>
-          <mc:Fallback>
+          <mc:Fallback xmlns="">
             <p:sp>
               <p:nvSpPr>
                 <p:cNvPr id="20" name="Equation">
@@ -6039,8 +6045,8 @@
             </p:sp>
           </mc:Fallback>
         </mc:AlternateContent>
-        <mc:AlternateContent xmlns:mc="http://schemas.openxmlformats.org/markup-compatibility/2006">
-          <mc:Choice xmlns:a14="http://schemas.microsoft.com/office/drawing/2010/main" Requires="a14">
+        <mc:AlternateContent xmlns:mc="http://schemas.openxmlformats.org/markup-compatibility/2006" xmlns:a14="http://schemas.microsoft.com/office/drawing/2010/main">
+          <mc:Choice Requires="a14">
             <p:sp>
               <p:nvSpPr>
                 <p:cNvPr id="21" name="Equation">
@@ -6097,7 +6103,7 @@
               </p:txBody>
             </p:sp>
           </mc:Choice>
-          <mc:Fallback>
+          <mc:Fallback xmlns="">
             <p:sp>
               <p:nvSpPr>
                 <p:cNvPr id="21" name="Equation">
@@ -6145,8 +6151,8 @@
             </p:sp>
           </mc:Fallback>
         </mc:AlternateContent>
-        <mc:AlternateContent xmlns:mc="http://schemas.openxmlformats.org/markup-compatibility/2006">
-          <mc:Choice xmlns:a14="http://schemas.microsoft.com/office/drawing/2010/main" Requires="a14">
+        <mc:AlternateContent xmlns:mc="http://schemas.openxmlformats.org/markup-compatibility/2006" xmlns:a14="http://schemas.microsoft.com/office/drawing/2010/main">
+          <mc:Choice Requires="a14">
             <p:sp>
               <p:nvSpPr>
                 <p:cNvPr id="22" name="Equation">
@@ -6203,7 +6209,7 @@
               </p:txBody>
             </p:sp>
           </mc:Choice>
-          <mc:Fallback>
+          <mc:Fallback xmlns="">
             <p:sp>
               <p:nvSpPr>
                 <p:cNvPr id="22" name="Equation">
@@ -6251,8 +6257,8 @@
             </p:sp>
           </mc:Fallback>
         </mc:AlternateContent>
-        <mc:AlternateContent xmlns:mc="http://schemas.openxmlformats.org/markup-compatibility/2006">
-          <mc:Choice xmlns:a14="http://schemas.microsoft.com/office/drawing/2010/main" Requires="a14">
+        <mc:AlternateContent xmlns:mc="http://schemas.openxmlformats.org/markup-compatibility/2006" xmlns:a14="http://schemas.microsoft.com/office/drawing/2010/main">
+          <mc:Choice Requires="a14">
             <p:sp>
               <p:nvSpPr>
                 <p:cNvPr id="23" name="Equation">
@@ -6362,7 +6368,7 @@
               </p:txBody>
             </p:sp>
           </mc:Choice>
-          <mc:Fallback>
+          <mc:Fallback xmlns="">
             <p:sp>
               <p:nvSpPr>
                 <p:cNvPr id="23" name="Equation">
@@ -6865,7 +6871,7 @@
             </a:ln>
             <a:extLst>
               <a:ext uri="{C572A759-6A51-4108-AA02-DFA0A04FC94B}">
-                <ma14:wrappingTextBoxFlag xmlns:ma14="http://schemas.microsoft.com/office/mac/drawingml/2011/main" xmlns:a14="http://schemas.microsoft.com/office/drawing/2010/main" xmlns:m="http://schemas.openxmlformats.org/officeDocument/2006/math" xmlns="" val="1"/>
+                <ma14:wrappingTextBoxFlag xmlns="" xmlns:m="http://schemas.openxmlformats.org/officeDocument/2006/math" xmlns:a14="http://schemas.microsoft.com/office/drawing/2010/main" xmlns:ma14="http://schemas.microsoft.com/office/mac/drawingml/2011/main" val="1"/>
               </a:ext>
             </a:extLst>
           </p:spPr>
@@ -6895,8 +6901,8 @@
             </a:p>
           </p:txBody>
         </p:sp>
-        <mc:AlternateContent xmlns:mc="http://schemas.openxmlformats.org/markup-compatibility/2006">
-          <mc:Choice xmlns:a14="http://schemas.microsoft.com/office/drawing/2010/main" Requires="a14">
+        <mc:AlternateContent xmlns:mc="http://schemas.openxmlformats.org/markup-compatibility/2006" xmlns:a14="http://schemas.microsoft.com/office/drawing/2010/main">
+          <mc:Choice Requires="a14">
             <p:sp>
               <p:nvSpPr>
                 <p:cNvPr id="142" name="Equation">
@@ -6981,7 +6987,7 @@
               </p:txBody>
             </p:sp>
           </mc:Choice>
-          <mc:Fallback>
+          <mc:Fallback xmlns="">
             <p:sp>
               <p:nvSpPr>
                 <p:cNvPr id="142" name="Equation">
@@ -8108,8 +8114,8 @@
               </a:p>
             </p:txBody>
           </p:sp>
-          <mc:AlternateContent xmlns:mc="http://schemas.openxmlformats.org/markup-compatibility/2006">
-            <mc:Choice xmlns:a14="http://schemas.microsoft.com/office/drawing/2010/main" Requires="a14">
+          <mc:AlternateContent xmlns:mc="http://schemas.openxmlformats.org/markup-compatibility/2006" xmlns:a14="http://schemas.microsoft.com/office/drawing/2010/main">
+            <mc:Choice Requires="a14">
               <p:sp>
                 <p:nvSpPr>
                   <p:cNvPr id="24" name="3.0mm">
@@ -8135,7 +8141,7 @@
                   </a:ln>
                   <a:extLst>
                     <a:ext uri="{C572A759-6A51-4108-AA02-DFA0A04FC94B}">
-                      <ma14:wrappingTextBoxFlag xmlns:ma14="http://schemas.microsoft.com/office/mac/drawingml/2011/main" xmlns:m="http://schemas.openxmlformats.org/officeDocument/2006/math" xmlns="" val="1"/>
+                      <ma14:wrappingTextBoxFlag xmlns="" xmlns:m="http://schemas.openxmlformats.org/officeDocument/2006/math" xmlns:ma14="http://schemas.microsoft.com/office/mac/drawingml/2011/main" val="1"/>
                     </a:ext>
                   </a:extLst>
                 </p:spPr>
@@ -8183,7 +8189,7 @@
                 </p:txBody>
               </p:sp>
             </mc:Choice>
-            <mc:Fallback>
+            <mc:Fallback xmlns="">
               <p:sp>
                 <p:nvSpPr>
                   <p:cNvPr id="24" name="3.0mm">
@@ -8236,8 +8242,8 @@
               </p:sp>
             </mc:Fallback>
           </mc:AlternateContent>
-          <mc:AlternateContent xmlns:mc="http://schemas.openxmlformats.org/markup-compatibility/2006">
-            <mc:Choice xmlns:a14="http://schemas.microsoft.com/office/drawing/2010/main" Requires="a14">
+          <mc:AlternateContent xmlns:mc="http://schemas.openxmlformats.org/markup-compatibility/2006" xmlns:a14="http://schemas.microsoft.com/office/drawing/2010/main">
+            <mc:Choice Requires="a14">
               <p:sp>
                 <p:nvSpPr>
                   <p:cNvPr id="25" name="3.0mm">
@@ -8263,7 +8269,7 @@
                   </a:ln>
                   <a:extLst>
                     <a:ext uri="{C572A759-6A51-4108-AA02-DFA0A04FC94B}">
-                      <ma14:wrappingTextBoxFlag xmlns:ma14="http://schemas.microsoft.com/office/mac/drawingml/2011/main" xmlns:m="http://schemas.openxmlformats.org/officeDocument/2006/math" xmlns="" val="1"/>
+                      <ma14:wrappingTextBoxFlag xmlns="" xmlns:m="http://schemas.openxmlformats.org/officeDocument/2006/math" xmlns:ma14="http://schemas.microsoft.com/office/mac/drawingml/2011/main" val="1"/>
                     </a:ext>
                   </a:extLst>
                 </p:spPr>
@@ -8311,7 +8317,7 @@
                 </p:txBody>
               </p:sp>
             </mc:Choice>
-            <mc:Fallback>
+            <mc:Fallback xmlns="">
               <p:sp>
                 <p:nvSpPr>
                   <p:cNvPr id="25" name="3.0mm">
@@ -8364,8 +8370,8 @@
               </p:sp>
             </mc:Fallback>
           </mc:AlternateContent>
-          <mc:AlternateContent xmlns:mc="http://schemas.openxmlformats.org/markup-compatibility/2006">
-            <mc:Choice xmlns:a14="http://schemas.microsoft.com/office/drawing/2010/main" Requires="a14">
+          <mc:AlternateContent xmlns:mc="http://schemas.openxmlformats.org/markup-compatibility/2006" xmlns:a14="http://schemas.microsoft.com/office/drawing/2010/main">
+            <mc:Choice Requires="a14">
               <p:sp>
                 <p:nvSpPr>
                   <p:cNvPr id="26" name="Equation">
@@ -8424,7 +8430,52 @@
                               </a:solidFill>
                               <a:latin typeface="Cambria Math" panose="02040503050406030204" pitchFamily="18" charset="0"/>
                             </a:rPr>
-                            <m:t>=0, 1, …, 81</m:t>
+                            <m:t>=</m:t>
+                          </m:r>
+                          <m:r>
+                            <a:rPr lang="en-US" b="0" i="1" smtClean="0">
+                              <a:solidFill>
+                                <a:srgbClr val="000000"/>
+                              </a:solidFill>
+                              <a:latin typeface="Cambria Math" panose="02040503050406030204" pitchFamily="18" charset="0"/>
+                            </a:rPr>
+                            <m:t>0</m:t>
+                          </m:r>
+                          <m:r>
+                            <a:rPr lang="en-US" b="0" i="1" smtClean="0">
+                              <a:solidFill>
+                                <a:srgbClr val="000000"/>
+                              </a:solidFill>
+                              <a:latin typeface="Cambria Math" panose="02040503050406030204" pitchFamily="18" charset="0"/>
+                            </a:rPr>
+                            <m:t>, </m:t>
+                          </m:r>
+                          <m:r>
+                            <a:rPr lang="en-US" b="0" i="1" smtClean="0">
+                              <a:solidFill>
+                                <a:srgbClr val="000000"/>
+                              </a:solidFill>
+                              <a:latin typeface="Cambria Math" panose="02040503050406030204" pitchFamily="18" charset="0"/>
+                            </a:rPr>
+                            <m:t>1</m:t>
+                          </m:r>
+                          <m:r>
+                            <a:rPr lang="en-US" b="0" i="1" smtClean="0">
+                              <a:solidFill>
+                                <a:srgbClr val="000000"/>
+                              </a:solidFill>
+                              <a:latin typeface="Cambria Math" panose="02040503050406030204" pitchFamily="18" charset="0"/>
+                            </a:rPr>
+                            <m:t>, …, </m:t>
+                          </m:r>
+                          <m:r>
+                            <a:rPr lang="en-US" b="0" i="1" smtClean="0">
+                              <a:solidFill>
+                                <a:srgbClr val="000000"/>
+                              </a:solidFill>
+                              <a:latin typeface="Cambria Math" panose="02040503050406030204" pitchFamily="18" charset="0"/>
+                            </a:rPr>
+                            <m:t>81</m:t>
                           </m:r>
                         </m:oMath>
                       </m:oMathPara>
@@ -8434,7 +8485,7 @@
                 </p:txBody>
               </p:sp>
             </mc:Choice>
-            <mc:Fallback>
+            <mc:Fallback xmlns="">
               <p:sp>
                 <p:nvSpPr>
                   <p:cNvPr id="26" name="Equation">
@@ -8531,8 +8582,8 @@
               </a:p>
             </p:txBody>
           </p:sp>
-          <mc:AlternateContent xmlns:mc="http://schemas.openxmlformats.org/markup-compatibility/2006">
-            <mc:Choice xmlns:a14="http://schemas.microsoft.com/office/drawing/2010/main" Requires="a14">
+          <mc:AlternateContent xmlns:mc="http://schemas.openxmlformats.org/markup-compatibility/2006" xmlns:a14="http://schemas.microsoft.com/office/drawing/2010/main">
+            <mc:Choice Requires="a14">
               <p:sp>
                 <p:nvSpPr>
                   <p:cNvPr id="28" name="3.0mm">
@@ -8558,7 +8609,7 @@
                   </a:ln>
                   <a:extLst>
                     <a:ext uri="{C572A759-6A51-4108-AA02-DFA0A04FC94B}">
-                      <ma14:wrappingTextBoxFlag xmlns:ma14="http://schemas.microsoft.com/office/mac/drawingml/2011/main" xmlns:m="http://schemas.openxmlformats.org/officeDocument/2006/math" xmlns="" val="1"/>
+                      <ma14:wrappingTextBoxFlag xmlns="" xmlns:m="http://schemas.openxmlformats.org/officeDocument/2006/math" xmlns:ma14="http://schemas.microsoft.com/office/mac/drawingml/2011/main" val="1"/>
                     </a:ext>
                   </a:extLst>
                 </p:spPr>
@@ -8593,7 +8644,13 @@
                             <a:rPr lang="en-US" sz="2000" b="0" i="1" smtClean="0">
                               <a:latin typeface="Cambria Math" panose="02040503050406030204" pitchFamily="18" charset="0"/>
                             </a:rPr>
-                            <m:t>1 </m:t>
+                            <m:t>1</m:t>
+                          </m:r>
+                          <m:r>
+                            <a:rPr lang="en-US" sz="2000" b="0" i="1" smtClean="0">
+                              <a:latin typeface="Cambria Math" panose="02040503050406030204" pitchFamily="18" charset="0"/>
+                            </a:rPr>
+                            <m:t> </m:t>
                           </m:r>
                         </m:oMath>
                       </m:oMathPara>
@@ -8606,7 +8663,7 @@
                 </p:txBody>
               </p:sp>
             </mc:Choice>
-            <mc:Fallback>
+            <mc:Fallback xmlns="">
               <p:sp>
                 <p:nvSpPr>
                   <p:cNvPr id="28" name="3.0mm">
@@ -8757,8 +8814,8 @@
               </a:p>
             </p:txBody>
           </p:sp>
-          <mc:AlternateContent xmlns:mc="http://schemas.openxmlformats.org/markup-compatibility/2006">
-            <mc:Choice xmlns:a14="http://schemas.microsoft.com/office/drawing/2010/main" Requires="a14">
+          <mc:AlternateContent xmlns:mc="http://schemas.openxmlformats.org/markup-compatibility/2006" xmlns:a14="http://schemas.microsoft.com/office/drawing/2010/main">
+            <mc:Choice Requires="a14">
               <p:sp>
                 <p:nvSpPr>
                   <p:cNvPr id="31" name="3.0mm">
@@ -8784,7 +8841,7 @@
                   </a:ln>
                   <a:extLst>
                     <a:ext uri="{C572A759-6A51-4108-AA02-DFA0A04FC94B}">
-                      <ma14:wrappingTextBoxFlag xmlns:ma14="http://schemas.microsoft.com/office/mac/drawingml/2011/main" xmlns:m="http://schemas.openxmlformats.org/officeDocument/2006/math" xmlns="" val="1"/>
+                      <ma14:wrappingTextBoxFlag xmlns="" xmlns:m="http://schemas.openxmlformats.org/officeDocument/2006/math" xmlns:ma14="http://schemas.microsoft.com/office/mac/drawingml/2011/main" val="1"/>
                     </a:ext>
                   </a:extLst>
                 </p:spPr>
@@ -8832,7 +8889,7 @@
                 </p:txBody>
               </p:sp>
             </mc:Choice>
-            <mc:Fallback>
+            <mc:Fallback xmlns="">
               <p:sp>
                 <p:nvSpPr>
                   <p:cNvPr id="31" name="3.0mm">
@@ -8885,8 +8942,8 @@
               </p:sp>
             </mc:Fallback>
           </mc:AlternateContent>
-          <mc:AlternateContent xmlns:mc="http://schemas.openxmlformats.org/markup-compatibility/2006">
-            <mc:Choice xmlns:a14="http://schemas.microsoft.com/office/drawing/2010/main" Requires="a14">
+          <mc:AlternateContent xmlns:mc="http://schemas.openxmlformats.org/markup-compatibility/2006" xmlns:a14="http://schemas.microsoft.com/office/drawing/2010/main">
+            <mc:Choice Requires="a14">
               <p:sp>
                 <p:nvSpPr>
                   <p:cNvPr id="32" name="3.0mm">
@@ -8912,7 +8969,7 @@
                   </a:ln>
                   <a:extLst>
                     <a:ext uri="{C572A759-6A51-4108-AA02-DFA0A04FC94B}">
-                      <ma14:wrappingTextBoxFlag xmlns:ma14="http://schemas.microsoft.com/office/mac/drawingml/2011/main" xmlns:m="http://schemas.openxmlformats.org/officeDocument/2006/math" xmlns="" val="1"/>
+                      <ma14:wrappingTextBoxFlag xmlns="" xmlns:m="http://schemas.openxmlformats.org/officeDocument/2006/math" xmlns:ma14="http://schemas.microsoft.com/office/mac/drawingml/2011/main" val="1"/>
                     </a:ext>
                   </a:extLst>
                 </p:spPr>
@@ -8960,7 +9017,7 @@
                 </p:txBody>
               </p:sp>
             </mc:Choice>
-            <mc:Fallback>
+            <mc:Fallback xmlns="">
               <p:sp>
                 <p:nvSpPr>
                   <p:cNvPr id="32" name="3.0mm">
@@ -9062,8 +9119,8 @@
               </a:p>
             </p:txBody>
           </p:sp>
-          <mc:AlternateContent xmlns:mc="http://schemas.openxmlformats.org/markup-compatibility/2006">
-            <mc:Choice xmlns:a14="http://schemas.microsoft.com/office/drawing/2010/main" Requires="a14">
+          <mc:AlternateContent xmlns:mc="http://schemas.openxmlformats.org/markup-compatibility/2006" xmlns:a14="http://schemas.microsoft.com/office/drawing/2010/main">
+            <mc:Choice Requires="a14">
               <p:sp>
                 <p:nvSpPr>
                   <p:cNvPr id="34" name="3.0mm">
@@ -9089,7 +9146,7 @@
                   </a:ln>
                   <a:extLst>
                     <a:ext uri="{C572A759-6A51-4108-AA02-DFA0A04FC94B}">
-                      <ma14:wrappingTextBoxFlag xmlns:ma14="http://schemas.microsoft.com/office/mac/drawingml/2011/main" xmlns:m="http://schemas.openxmlformats.org/officeDocument/2006/math" xmlns="" val="1"/>
+                      <ma14:wrappingTextBoxFlag xmlns="" xmlns:m="http://schemas.openxmlformats.org/officeDocument/2006/math" xmlns:ma14="http://schemas.microsoft.com/office/mac/drawingml/2011/main" val="1"/>
                     </a:ext>
                   </a:extLst>
                 </p:spPr>
@@ -9124,7 +9181,13 @@
                             <a:rPr lang="en-US" sz="2000" b="0" i="1" smtClean="0">
                               <a:latin typeface="Cambria Math" panose="02040503050406030204" pitchFamily="18" charset="0"/>
                             </a:rPr>
-                            <m:t>1 </m:t>
+                            <m:t>1</m:t>
+                          </m:r>
+                          <m:r>
+                            <a:rPr lang="en-US" sz="2000" b="0" i="1" smtClean="0">
+                              <a:latin typeface="Cambria Math" panose="02040503050406030204" pitchFamily="18" charset="0"/>
+                            </a:rPr>
+                            <m:t> </m:t>
                           </m:r>
                         </m:oMath>
                       </m:oMathPara>
@@ -9137,7 +9200,7 @@
                 </p:txBody>
               </p:sp>
             </mc:Choice>
-            <mc:Fallback>
+            <mc:Fallback xmlns="">
               <p:sp>
                 <p:nvSpPr>
                   <p:cNvPr id="34" name="3.0mm">
@@ -9730,8 +9793,8 @@
               </p:txBody>
             </p:sp>
           </p:grpSp>
-          <mc:AlternateContent xmlns:mc="http://schemas.openxmlformats.org/markup-compatibility/2006">
-            <mc:Choice xmlns:a14="http://schemas.microsoft.com/office/drawing/2010/main" Requires="a14">
+          <mc:AlternateContent xmlns:mc="http://schemas.openxmlformats.org/markup-compatibility/2006" xmlns:a14="http://schemas.microsoft.com/office/drawing/2010/main">
+            <mc:Choice Requires="a14">
               <p:sp>
                 <p:nvSpPr>
                   <p:cNvPr id="47" name="3.0mm">
@@ -9757,7 +9820,7 @@
                   </a:ln>
                   <a:extLst>
                     <a:ext uri="{C572A759-6A51-4108-AA02-DFA0A04FC94B}">
-                      <ma14:wrappingTextBoxFlag xmlns:ma14="http://schemas.microsoft.com/office/mac/drawingml/2011/main" xmlns:m="http://schemas.openxmlformats.org/officeDocument/2006/math" xmlns="" val="1"/>
+                      <ma14:wrappingTextBoxFlag xmlns="" xmlns:m="http://schemas.openxmlformats.org/officeDocument/2006/math" xmlns:ma14="http://schemas.microsoft.com/office/mac/drawingml/2011/main" val="1"/>
                     </a:ext>
                   </a:extLst>
                 </p:spPr>
@@ -9786,7 +9849,13 @@
                             <a:rPr lang="en-US" b="0" i="1" smtClean="0">
                               <a:latin typeface="Cambria Math" panose="02040503050406030204" pitchFamily="18" charset="0"/>
                             </a:rPr>
-                            <m:t>1 </m:t>
+                            <m:t>1</m:t>
+                          </m:r>
+                          <m:r>
+                            <a:rPr lang="en-US" b="0" i="1" smtClean="0">
+                              <a:latin typeface="Cambria Math" panose="02040503050406030204" pitchFamily="18" charset="0"/>
+                            </a:rPr>
+                            <m:t> </m:t>
                           </m:r>
                         </m:oMath>
                       </m:oMathPara>
@@ -9799,7 +9868,7 @@
                 </p:txBody>
               </p:sp>
             </mc:Choice>
-            <mc:Fallback>
+            <mc:Fallback xmlns="">
               <p:sp>
                 <p:nvSpPr>
                   <p:cNvPr id="47" name="3.0mm">
@@ -9852,8 +9921,8 @@
               </p:sp>
             </mc:Fallback>
           </mc:AlternateContent>
-          <mc:AlternateContent xmlns:mc="http://schemas.openxmlformats.org/markup-compatibility/2006">
-            <mc:Choice xmlns:a14="http://schemas.microsoft.com/office/drawing/2010/main" Requires="a14">
+          <mc:AlternateContent xmlns:mc="http://schemas.openxmlformats.org/markup-compatibility/2006" xmlns:a14="http://schemas.microsoft.com/office/drawing/2010/main">
+            <mc:Choice Requires="a14">
               <p:sp>
                 <p:nvSpPr>
                   <p:cNvPr id="48" name="3.0mm">
@@ -9879,7 +9948,7 @@
                   </a:ln>
                   <a:extLst>
                     <a:ext uri="{C572A759-6A51-4108-AA02-DFA0A04FC94B}">
-                      <ma14:wrappingTextBoxFlag xmlns:ma14="http://schemas.microsoft.com/office/mac/drawingml/2011/main" xmlns:m="http://schemas.openxmlformats.org/officeDocument/2006/math" xmlns="" val="1"/>
+                      <ma14:wrappingTextBoxFlag xmlns="" xmlns:m="http://schemas.openxmlformats.org/officeDocument/2006/math" xmlns:ma14="http://schemas.microsoft.com/office/mac/drawingml/2011/main" val="1"/>
                     </a:ext>
                   </a:extLst>
                 </p:spPr>
@@ -9927,7 +9996,7 @@
                 </p:txBody>
               </p:sp>
             </mc:Choice>
-            <mc:Fallback>
+            <mc:Fallback xmlns="">
               <p:sp>
                 <p:nvSpPr>
                   <p:cNvPr id="48" name="3.0mm">
@@ -9980,8 +10049,8 @@
               </p:sp>
             </mc:Fallback>
           </mc:AlternateContent>
-          <mc:AlternateContent xmlns:mc="http://schemas.openxmlformats.org/markup-compatibility/2006">
-            <mc:Choice xmlns:a14="http://schemas.microsoft.com/office/drawing/2010/main" Requires="a14">
+          <mc:AlternateContent xmlns:mc="http://schemas.openxmlformats.org/markup-compatibility/2006" xmlns:a14="http://schemas.microsoft.com/office/drawing/2010/main">
+            <mc:Choice Requires="a14">
               <p:sp>
                 <p:nvSpPr>
                   <p:cNvPr id="49" name="3.0mm">
@@ -10007,7 +10076,7 @@
                   </a:ln>
                   <a:extLst>
                     <a:ext uri="{C572A759-6A51-4108-AA02-DFA0A04FC94B}">
-                      <ma14:wrappingTextBoxFlag xmlns:ma14="http://schemas.microsoft.com/office/mac/drawingml/2011/main" xmlns:m="http://schemas.openxmlformats.org/officeDocument/2006/math" xmlns="" val="1"/>
+                      <ma14:wrappingTextBoxFlag xmlns="" xmlns:m="http://schemas.openxmlformats.org/officeDocument/2006/math" xmlns:ma14="http://schemas.microsoft.com/office/mac/drawingml/2011/main" val="1"/>
                     </a:ext>
                   </a:extLst>
                 </p:spPr>
@@ -10036,7 +10105,13 @@
                             <a:rPr lang="en-US" b="0" i="1" smtClean="0">
                               <a:latin typeface="Cambria Math" panose="02040503050406030204" pitchFamily="18" charset="0"/>
                             </a:rPr>
-                            <m:t>16 </m:t>
+                            <m:t>16</m:t>
+                          </m:r>
+                          <m:r>
+                            <a:rPr lang="en-US" b="0" i="1" smtClean="0">
+                              <a:latin typeface="Cambria Math" panose="02040503050406030204" pitchFamily="18" charset="0"/>
+                            </a:rPr>
+                            <m:t> </m:t>
                           </m:r>
                         </m:oMath>
                       </m:oMathPara>
@@ -10049,7 +10124,7 @@
                 </p:txBody>
               </p:sp>
             </mc:Choice>
-            <mc:Fallback>
+            <mc:Fallback xmlns="">
               <p:sp>
                 <p:nvSpPr>
                   <p:cNvPr id="49" name="3.0mm">
@@ -10127,7 +10202,7 @@
               </a:ln>
               <a:extLst>
                 <a:ext uri="{C572A759-6A51-4108-AA02-DFA0A04FC94B}">
-                  <ma14:wrappingTextBoxFlag xmlns:ma14="http://schemas.microsoft.com/office/mac/drawingml/2011/main" xmlns:a14="http://schemas.microsoft.com/office/drawing/2010/main" xmlns:m="http://schemas.openxmlformats.org/officeDocument/2006/math" xmlns="" val="1"/>
+                  <ma14:wrappingTextBoxFlag xmlns="" xmlns:m="http://schemas.openxmlformats.org/officeDocument/2006/math" xmlns:a14="http://schemas.microsoft.com/office/drawing/2010/main" xmlns:ma14="http://schemas.microsoft.com/office/mac/drawingml/2011/main" val="1"/>
                 </a:ext>
               </a:extLst>
             </p:spPr>
@@ -10157,8 +10232,8 @@
               </a:p>
             </p:txBody>
           </p:sp>
-          <mc:AlternateContent xmlns:mc="http://schemas.openxmlformats.org/markup-compatibility/2006">
-            <mc:Choice xmlns:a14="http://schemas.microsoft.com/office/drawing/2010/main" Requires="a14">
+          <mc:AlternateContent xmlns:mc="http://schemas.openxmlformats.org/markup-compatibility/2006" xmlns:a14="http://schemas.microsoft.com/office/drawing/2010/main">
+            <mc:Choice Requires="a14">
               <p:sp>
                 <p:nvSpPr>
                   <p:cNvPr id="51" name="Equation">
@@ -10243,7 +10318,7 @@
                 </p:txBody>
               </p:sp>
             </mc:Choice>
-            <mc:Fallback>
+            <mc:Fallback xmlns="">
               <p:sp>
                 <p:nvSpPr>
                   <p:cNvPr id="51" name="Equation">
@@ -10316,7 +10391,7 @@
               </a:ln>
               <a:extLst>
                 <a:ext uri="{C572A759-6A51-4108-AA02-DFA0A04FC94B}">
-                  <ma14:wrappingTextBoxFlag xmlns:ma14="http://schemas.microsoft.com/office/mac/drawingml/2011/main" xmlns:a14="http://schemas.microsoft.com/office/drawing/2010/main" xmlns:m="http://schemas.openxmlformats.org/officeDocument/2006/math" xmlns="" val="1"/>
+                  <ma14:wrappingTextBoxFlag xmlns="" xmlns:m="http://schemas.openxmlformats.org/officeDocument/2006/math" xmlns:a14="http://schemas.microsoft.com/office/drawing/2010/main" xmlns:ma14="http://schemas.microsoft.com/office/mac/drawingml/2011/main" val="1"/>
                 </a:ext>
               </a:extLst>
             </p:spPr>
@@ -10346,8 +10421,8 @@
               </a:p>
             </p:txBody>
           </p:sp>
-          <mc:AlternateContent xmlns:mc="http://schemas.openxmlformats.org/markup-compatibility/2006">
-            <mc:Choice xmlns:a14="http://schemas.microsoft.com/office/drawing/2010/main" Requires="a14">
+          <mc:AlternateContent xmlns:mc="http://schemas.openxmlformats.org/markup-compatibility/2006" xmlns:a14="http://schemas.microsoft.com/office/drawing/2010/main">
+            <mc:Choice Requires="a14">
               <p:sp>
                 <p:nvSpPr>
                   <p:cNvPr id="53" name="Equation">
@@ -10432,7 +10507,7 @@
                 </p:txBody>
               </p:sp>
             </mc:Choice>
-            <mc:Fallback>
+            <mc:Fallback xmlns="">
               <p:sp>
                 <p:nvSpPr>
                   <p:cNvPr id="53" name="Equation">
@@ -10531,8 +10606,8 @@
               </a:p>
             </p:txBody>
           </p:sp>
-          <mc:AlternateContent xmlns:mc="http://schemas.openxmlformats.org/markup-compatibility/2006">
-            <mc:Choice xmlns:a14="http://schemas.microsoft.com/office/drawing/2010/main" Requires="a14">
+          <mc:AlternateContent xmlns:mc="http://schemas.openxmlformats.org/markup-compatibility/2006" xmlns:a14="http://schemas.microsoft.com/office/drawing/2010/main">
+            <mc:Choice Requires="a14">
               <p:sp>
                 <p:nvSpPr>
                   <p:cNvPr id="55" name="3.0mm">
@@ -10558,7 +10633,7 @@
                   </a:ln>
                   <a:extLst>
                     <a:ext uri="{C572A759-6A51-4108-AA02-DFA0A04FC94B}">
-                      <ma14:wrappingTextBoxFlag xmlns:ma14="http://schemas.microsoft.com/office/mac/drawingml/2011/main" xmlns:m="http://schemas.openxmlformats.org/officeDocument/2006/math" xmlns="" val="1"/>
+                      <ma14:wrappingTextBoxFlag xmlns="" xmlns:m="http://schemas.openxmlformats.org/officeDocument/2006/math" xmlns:ma14="http://schemas.microsoft.com/office/mac/drawingml/2011/main" val="1"/>
                     </a:ext>
                   </a:extLst>
                 </p:spPr>
@@ -10606,7 +10681,7 @@
                 </p:txBody>
               </p:sp>
             </mc:Choice>
-            <mc:Fallback>
+            <mc:Fallback xmlns="">
               <p:sp>
                 <p:nvSpPr>
                   <p:cNvPr id="55" name="3.0mm">
@@ -10659,8 +10734,8 @@
               </p:sp>
             </mc:Fallback>
           </mc:AlternateContent>
-          <mc:AlternateContent xmlns:mc="http://schemas.openxmlformats.org/markup-compatibility/2006">
-            <mc:Choice xmlns:a14="http://schemas.microsoft.com/office/drawing/2010/main" Requires="a14">
+          <mc:AlternateContent xmlns:mc="http://schemas.openxmlformats.org/markup-compatibility/2006" xmlns:a14="http://schemas.microsoft.com/office/drawing/2010/main">
+            <mc:Choice Requires="a14">
               <p:sp>
                 <p:nvSpPr>
                   <p:cNvPr id="56" name="3.0mm">
@@ -10686,7 +10761,7 @@
                   </a:ln>
                   <a:extLst>
                     <a:ext uri="{C572A759-6A51-4108-AA02-DFA0A04FC94B}">
-                      <ma14:wrappingTextBoxFlag xmlns:ma14="http://schemas.microsoft.com/office/mac/drawingml/2011/main" xmlns:m="http://schemas.openxmlformats.org/officeDocument/2006/math" xmlns="" val="1"/>
+                      <ma14:wrappingTextBoxFlag xmlns="" xmlns:m="http://schemas.openxmlformats.org/officeDocument/2006/math" xmlns:ma14="http://schemas.microsoft.com/office/mac/drawingml/2011/main" val="1"/>
                     </a:ext>
                   </a:extLst>
                 </p:spPr>
@@ -10715,7 +10790,13 @@
                             <a:rPr lang="en-US" b="0" i="1" smtClean="0">
                               <a:latin typeface="Cambria Math" panose="02040503050406030204" pitchFamily="18" charset="0"/>
                             </a:rPr>
-                            <m:t>1 </m:t>
+                            <m:t>1</m:t>
+                          </m:r>
+                          <m:r>
+                            <a:rPr lang="en-US" b="0" i="1" smtClean="0">
+                              <a:latin typeface="Cambria Math" panose="02040503050406030204" pitchFamily="18" charset="0"/>
+                            </a:rPr>
+                            <m:t> </m:t>
                           </m:r>
                         </m:oMath>
                       </m:oMathPara>
@@ -10728,7 +10809,7 @@
                 </p:txBody>
               </p:sp>
             </mc:Choice>
-            <mc:Fallback>
+            <mc:Fallback xmlns="">
               <p:sp>
                 <p:nvSpPr>
                   <p:cNvPr id="56" name="3.0mm">
@@ -10781,8 +10862,8 @@
               </p:sp>
             </mc:Fallback>
           </mc:AlternateContent>
-          <mc:AlternateContent xmlns:mc="http://schemas.openxmlformats.org/markup-compatibility/2006">
-            <mc:Choice xmlns:a14="http://schemas.microsoft.com/office/drawing/2010/main" Requires="a14">
+          <mc:AlternateContent xmlns:mc="http://schemas.openxmlformats.org/markup-compatibility/2006" xmlns:a14="http://schemas.microsoft.com/office/drawing/2010/main">
+            <mc:Choice Requires="a14">
               <p:sp>
                 <p:nvSpPr>
                   <p:cNvPr id="57" name="3.0mm">
@@ -10808,7 +10889,7 @@
                   </a:ln>
                   <a:extLst>
                     <a:ext uri="{C572A759-6A51-4108-AA02-DFA0A04FC94B}">
-                      <ma14:wrappingTextBoxFlag xmlns:ma14="http://schemas.microsoft.com/office/mac/drawingml/2011/main" xmlns:m="http://schemas.openxmlformats.org/officeDocument/2006/math" xmlns="" val="1"/>
+                      <ma14:wrappingTextBoxFlag xmlns="" xmlns:m="http://schemas.openxmlformats.org/officeDocument/2006/math" xmlns:ma14="http://schemas.microsoft.com/office/mac/drawingml/2011/main" val="1"/>
                     </a:ext>
                   </a:extLst>
                 </p:spPr>
@@ -10837,7 +10918,13 @@
                             <a:rPr lang="en-US" b="0" i="1" smtClean="0">
                               <a:latin typeface="Cambria Math" panose="02040503050406030204" pitchFamily="18" charset="0"/>
                             </a:rPr>
-                            <m:t>16 </m:t>
+                            <m:t>16</m:t>
+                          </m:r>
+                          <m:r>
+                            <a:rPr lang="en-US" b="0" i="1" smtClean="0">
+                              <a:latin typeface="Cambria Math" panose="02040503050406030204" pitchFamily="18" charset="0"/>
+                            </a:rPr>
+                            <m:t> </m:t>
                           </m:r>
                         </m:oMath>
                       </m:oMathPara>
@@ -10850,7 +10937,7 @@
                 </p:txBody>
               </p:sp>
             </mc:Choice>
-            <mc:Fallback>
+            <mc:Fallback xmlns="">
               <p:sp>
                 <p:nvSpPr>
                   <p:cNvPr id="57" name="3.0mm">
@@ -10903,8 +10990,8 @@
               </p:sp>
             </mc:Fallback>
           </mc:AlternateContent>
-          <mc:AlternateContent xmlns:mc="http://schemas.openxmlformats.org/markup-compatibility/2006">
-            <mc:Choice xmlns:a14="http://schemas.microsoft.com/office/drawing/2010/main" Requires="a14">
+          <mc:AlternateContent xmlns:mc="http://schemas.openxmlformats.org/markup-compatibility/2006" xmlns:a14="http://schemas.microsoft.com/office/drawing/2010/main">
+            <mc:Choice Requires="a14">
               <p:sp>
                 <p:nvSpPr>
                   <p:cNvPr id="58" name="Equation">
@@ -11000,7 +11087,7 @@
                 </p:txBody>
               </p:sp>
             </mc:Choice>
-            <mc:Fallback>
+            <mc:Fallback xmlns="">
               <p:sp>
                 <p:nvSpPr>
                   <p:cNvPr id="58" name="Equation">
@@ -11048,8 +11135,8 @@
               </p:sp>
             </mc:Fallback>
           </mc:AlternateContent>
-          <mc:AlternateContent xmlns:mc="http://schemas.openxmlformats.org/markup-compatibility/2006">
-            <mc:Choice xmlns:a14="http://schemas.microsoft.com/office/drawing/2010/main" Requires="a14">
+          <mc:AlternateContent xmlns:mc="http://schemas.openxmlformats.org/markup-compatibility/2006" xmlns:a14="http://schemas.microsoft.com/office/drawing/2010/main">
+            <mc:Choice Requires="a14">
               <p:sp>
                 <p:nvSpPr>
                   <p:cNvPr id="59" name="Equation">
@@ -11135,7 +11222,7 @@
                 </p:txBody>
               </p:sp>
             </mc:Choice>
-            <mc:Fallback>
+            <mc:Fallback xmlns="">
               <p:sp>
                 <p:nvSpPr>
                   <p:cNvPr id="59" name="Equation">
@@ -11184,8 +11271,8 @@
               </p:sp>
             </mc:Fallback>
           </mc:AlternateContent>
-          <mc:AlternateContent xmlns:mc="http://schemas.openxmlformats.org/markup-compatibility/2006">
-            <mc:Choice xmlns:a14="http://schemas.microsoft.com/office/drawing/2010/main" Requires="a14">
+          <mc:AlternateContent xmlns:mc="http://schemas.openxmlformats.org/markup-compatibility/2006" xmlns:a14="http://schemas.microsoft.com/office/drawing/2010/main">
+            <mc:Choice Requires="a14">
               <p:sp>
                 <p:nvSpPr>
                   <p:cNvPr id="60" name="Equation">
@@ -11270,7 +11357,7 @@
                 </p:txBody>
               </p:sp>
             </mc:Choice>
-            <mc:Fallback>
+            <mc:Fallback xmlns="">
               <p:sp>
                 <p:nvSpPr>
                   <p:cNvPr id="60" name="Equation">
@@ -11318,8 +11405,8 @@
               </p:sp>
             </mc:Fallback>
           </mc:AlternateContent>
-          <mc:AlternateContent xmlns:mc="http://schemas.openxmlformats.org/markup-compatibility/2006">
-            <mc:Choice xmlns:a14="http://schemas.microsoft.com/office/drawing/2010/main" Requires="a14">
+          <mc:AlternateContent xmlns:mc="http://schemas.openxmlformats.org/markup-compatibility/2006" xmlns:a14="http://schemas.microsoft.com/office/drawing/2010/main">
+            <mc:Choice Requires="a14">
               <p:sp>
                 <p:nvSpPr>
                   <p:cNvPr id="61" name="Equation">
@@ -11404,7 +11491,7 @@
                 </p:txBody>
               </p:sp>
             </mc:Choice>
-            <mc:Fallback>
+            <mc:Fallback xmlns="">
               <p:sp>
                 <p:nvSpPr>
                   <p:cNvPr id="61" name="Equation">
@@ -11452,8 +11539,8 @@
               </p:sp>
             </mc:Fallback>
           </mc:AlternateContent>
-          <mc:AlternateContent xmlns:mc="http://schemas.openxmlformats.org/markup-compatibility/2006">
-            <mc:Choice xmlns:a14="http://schemas.microsoft.com/office/drawing/2010/main" Requires="a14">
+          <mc:AlternateContent xmlns:mc="http://schemas.openxmlformats.org/markup-compatibility/2006" xmlns:a14="http://schemas.microsoft.com/office/drawing/2010/main">
+            <mc:Choice Requires="a14">
               <p:sp>
                 <p:nvSpPr>
                   <p:cNvPr id="62" name="Equation">
@@ -11538,7 +11625,7 @@
                 </p:txBody>
               </p:sp>
             </mc:Choice>
-            <mc:Fallback>
+            <mc:Fallback xmlns="">
               <p:sp>
                 <p:nvSpPr>
                   <p:cNvPr id="62" name="Equation">
@@ -13334,8 +13421,8 @@
               </a:p>
             </p:txBody>
           </p:sp>
-          <mc:AlternateContent xmlns:mc="http://schemas.openxmlformats.org/markup-compatibility/2006">
-            <mc:Choice xmlns:a14="http://schemas.microsoft.com/office/drawing/2010/main" Requires="a14">
+          <mc:AlternateContent xmlns:mc="http://schemas.openxmlformats.org/markup-compatibility/2006" xmlns:a14="http://schemas.microsoft.com/office/drawing/2010/main">
+            <mc:Choice Requires="a14">
               <p:sp>
                 <p:nvSpPr>
                   <p:cNvPr id="103" name="Equation">
@@ -13423,7 +13510,7 @@
                 </p:txBody>
               </p:sp>
             </mc:Choice>
-            <mc:Fallback>
+            <mc:Fallback xmlns="">
               <p:sp>
                 <p:nvSpPr>
                   <p:cNvPr id="103" name="Equation">
@@ -13471,8 +13558,8 @@
               </p:sp>
             </mc:Fallback>
           </mc:AlternateContent>
-          <mc:AlternateContent xmlns:mc="http://schemas.openxmlformats.org/markup-compatibility/2006">
-            <mc:Choice xmlns:a14="http://schemas.microsoft.com/office/drawing/2010/main" Requires="a14">
+          <mc:AlternateContent xmlns:mc="http://schemas.openxmlformats.org/markup-compatibility/2006" xmlns:a14="http://schemas.microsoft.com/office/drawing/2010/main">
+            <mc:Choice Requires="a14">
               <p:sp>
                 <p:nvSpPr>
                   <p:cNvPr id="104" name="Equation">
@@ -13557,7 +13644,7 @@
                 </p:txBody>
               </p:sp>
             </mc:Choice>
-            <mc:Fallback>
+            <mc:Fallback xmlns="">
               <p:sp>
                 <p:nvSpPr>
                   <p:cNvPr id="104" name="Equation">
@@ -13605,8 +13692,8 @@
               </p:sp>
             </mc:Fallback>
           </mc:AlternateContent>
-          <mc:AlternateContent xmlns:mc="http://schemas.openxmlformats.org/markup-compatibility/2006">
-            <mc:Choice xmlns:a14="http://schemas.microsoft.com/office/drawing/2010/main" Requires="a14">
+          <mc:AlternateContent xmlns:mc="http://schemas.openxmlformats.org/markup-compatibility/2006" xmlns:a14="http://schemas.microsoft.com/office/drawing/2010/main">
+            <mc:Choice Requires="a14">
               <p:sp>
                 <p:nvSpPr>
                   <p:cNvPr id="105" name="Equation">
@@ -13691,7 +13778,7 @@
                 </p:txBody>
               </p:sp>
             </mc:Choice>
-            <mc:Fallback>
+            <mc:Fallback xmlns="">
               <p:sp>
                 <p:nvSpPr>
                   <p:cNvPr id="105" name="Equation">
@@ -14211,8 +14298,8 @@
               </a:fontRef>
             </p:style>
           </p:cxnSp>
-          <mc:AlternateContent xmlns:mc="http://schemas.openxmlformats.org/markup-compatibility/2006">
-            <mc:Choice xmlns:a14="http://schemas.microsoft.com/office/drawing/2010/main" Requires="a14">
+          <mc:AlternateContent xmlns:mc="http://schemas.openxmlformats.org/markup-compatibility/2006" xmlns:a14="http://schemas.microsoft.com/office/drawing/2010/main">
+            <mc:Choice Requires="a14">
               <p:sp>
                 <p:nvSpPr>
                   <p:cNvPr id="117" name="Equation">
@@ -14272,7 +14359,7 @@
                 </p:txBody>
               </p:sp>
             </mc:Choice>
-            <mc:Fallback>
+            <mc:Fallback xmlns="">
               <p:sp>
                 <p:nvSpPr>
                   <p:cNvPr id="117" name="Equation">
@@ -14320,8 +14407,8 @@
               </p:sp>
             </mc:Fallback>
           </mc:AlternateContent>
-          <mc:AlternateContent xmlns:mc="http://schemas.openxmlformats.org/markup-compatibility/2006">
-            <mc:Choice xmlns:a14="http://schemas.microsoft.com/office/drawing/2010/main" Requires="a14">
+          <mc:AlternateContent xmlns:mc="http://schemas.openxmlformats.org/markup-compatibility/2006" xmlns:a14="http://schemas.microsoft.com/office/drawing/2010/main">
+            <mc:Choice Requires="a14">
               <p:sp>
                 <p:nvSpPr>
                   <p:cNvPr id="118" name="Equation">
@@ -14378,7 +14465,7 @@
                 </p:txBody>
               </p:sp>
             </mc:Choice>
-            <mc:Fallback>
+            <mc:Fallback xmlns="">
               <p:sp>
                 <p:nvSpPr>
                   <p:cNvPr id="118" name="Equation">
@@ -14426,8 +14513,8 @@
               </p:sp>
             </mc:Fallback>
           </mc:AlternateContent>
-          <mc:AlternateContent xmlns:mc="http://schemas.openxmlformats.org/markup-compatibility/2006">
-            <mc:Choice xmlns:a14="http://schemas.microsoft.com/office/drawing/2010/main" Requires="a14">
+          <mc:AlternateContent xmlns:mc="http://schemas.openxmlformats.org/markup-compatibility/2006" xmlns:a14="http://schemas.microsoft.com/office/drawing/2010/main">
+            <mc:Choice Requires="a14">
               <p:sp>
                 <p:nvSpPr>
                   <p:cNvPr id="119" name="Equation">
@@ -14484,7 +14571,7 @@
                 </p:txBody>
               </p:sp>
             </mc:Choice>
-            <mc:Fallback>
+            <mc:Fallback xmlns="">
               <p:sp>
                 <p:nvSpPr>
                   <p:cNvPr id="119" name="Equation">
@@ -14532,8 +14619,8 @@
               </p:sp>
             </mc:Fallback>
           </mc:AlternateContent>
-          <mc:AlternateContent xmlns:mc="http://schemas.openxmlformats.org/markup-compatibility/2006">
-            <mc:Choice xmlns:a14="http://schemas.microsoft.com/office/drawing/2010/main" Requires="a14">
+          <mc:AlternateContent xmlns:mc="http://schemas.openxmlformats.org/markup-compatibility/2006" xmlns:a14="http://schemas.microsoft.com/office/drawing/2010/main">
+            <mc:Choice Requires="a14">
               <p:sp>
                 <p:nvSpPr>
                   <p:cNvPr id="120" name="Equation">
@@ -14593,7 +14680,7 @@
                 </p:txBody>
               </p:sp>
             </mc:Choice>
-            <mc:Fallback>
+            <mc:Fallback xmlns="">
               <p:sp>
                 <p:nvSpPr>
                   <p:cNvPr id="120" name="Equation">
@@ -14641,8 +14728,8 @@
               </p:sp>
             </mc:Fallback>
           </mc:AlternateContent>
-          <mc:AlternateContent xmlns:mc="http://schemas.openxmlformats.org/markup-compatibility/2006">
-            <mc:Choice xmlns:a14="http://schemas.microsoft.com/office/drawing/2010/main" Requires="a14">
+          <mc:AlternateContent xmlns:mc="http://schemas.openxmlformats.org/markup-compatibility/2006" xmlns:a14="http://schemas.microsoft.com/office/drawing/2010/main">
+            <mc:Choice Requires="a14">
               <p:sp>
                 <p:nvSpPr>
                   <p:cNvPr id="121" name="Equation">
@@ -14702,7 +14789,7 @@
                 </p:txBody>
               </p:sp>
             </mc:Choice>
-            <mc:Fallback>
+            <mc:Fallback xmlns="">
               <p:sp>
                 <p:nvSpPr>
                   <p:cNvPr id="121" name="Equation">
@@ -14750,8 +14837,8 @@
               </p:sp>
             </mc:Fallback>
           </mc:AlternateContent>
-          <mc:AlternateContent xmlns:mc="http://schemas.openxmlformats.org/markup-compatibility/2006">
-            <mc:Choice xmlns:a14="http://schemas.microsoft.com/office/drawing/2010/main" Requires="a14">
+          <mc:AlternateContent xmlns:mc="http://schemas.openxmlformats.org/markup-compatibility/2006" xmlns:a14="http://schemas.microsoft.com/office/drawing/2010/main">
+            <mc:Choice Requires="a14">
               <p:sp>
                 <p:nvSpPr>
                   <p:cNvPr id="122" name="Equation">
@@ -14808,7 +14895,7 @@
                 </p:txBody>
               </p:sp>
             </mc:Choice>
-            <mc:Fallback>
+            <mc:Fallback xmlns="">
               <p:sp>
                 <p:nvSpPr>
                   <p:cNvPr id="122" name="Equation">
@@ -15344,7 +15431,7 @@
               </a:ln>
               <a:extLst>
                 <a:ext uri="{C572A759-6A51-4108-AA02-DFA0A04FC94B}">
-                  <ma14:wrappingTextBoxFlag xmlns:ma14="http://schemas.microsoft.com/office/mac/drawingml/2011/main" xmlns:a14="http://schemas.microsoft.com/office/drawing/2010/main" xmlns:m="http://schemas.openxmlformats.org/officeDocument/2006/math" xmlns="" val="1"/>
+                  <ma14:wrappingTextBoxFlag xmlns="" xmlns:m="http://schemas.openxmlformats.org/officeDocument/2006/math" xmlns:a14="http://schemas.microsoft.com/office/drawing/2010/main" xmlns:ma14="http://schemas.microsoft.com/office/mac/drawingml/2011/main" val="1"/>
                 </a:ext>
               </a:extLst>
             </p:spPr>
@@ -15374,8 +15461,8 @@
               </a:p>
             </p:txBody>
           </p:sp>
-          <mc:AlternateContent xmlns:mc="http://schemas.openxmlformats.org/markup-compatibility/2006">
-            <mc:Choice xmlns:a14="http://schemas.microsoft.com/office/drawing/2010/main" Requires="a14">
+          <mc:AlternateContent xmlns:mc="http://schemas.openxmlformats.org/markup-compatibility/2006" xmlns:a14="http://schemas.microsoft.com/office/drawing/2010/main">
+            <mc:Choice Requires="a14">
               <p:sp>
                 <p:nvSpPr>
                   <p:cNvPr id="138" name="Equation">
@@ -15460,7 +15547,7 @@
                 </p:txBody>
               </p:sp>
             </mc:Choice>
-            <mc:Fallback>
+            <mc:Fallback xmlns="">
               <p:sp>
                 <p:nvSpPr>
                   <p:cNvPr id="138" name="Equation">
@@ -15533,7 +15620,7 @@
               </a:ln>
               <a:extLst>
                 <a:ext uri="{C572A759-6A51-4108-AA02-DFA0A04FC94B}">
-                  <ma14:wrappingTextBoxFlag xmlns:ma14="http://schemas.microsoft.com/office/mac/drawingml/2011/main" xmlns:a14="http://schemas.microsoft.com/office/drawing/2010/main" xmlns:m="http://schemas.openxmlformats.org/officeDocument/2006/math" xmlns="" val="1"/>
+                  <ma14:wrappingTextBoxFlag xmlns="" xmlns:m="http://schemas.openxmlformats.org/officeDocument/2006/math" xmlns:a14="http://schemas.microsoft.com/office/drawing/2010/main" xmlns:ma14="http://schemas.microsoft.com/office/mac/drawingml/2011/main" val="1"/>
                 </a:ext>
               </a:extLst>
             </p:spPr>
@@ -15563,8 +15650,8 @@
               </a:p>
             </p:txBody>
           </p:sp>
-          <mc:AlternateContent xmlns:mc="http://schemas.openxmlformats.org/markup-compatibility/2006">
-            <mc:Choice xmlns:a14="http://schemas.microsoft.com/office/drawing/2010/main" Requires="a14">
+          <mc:AlternateContent xmlns:mc="http://schemas.openxmlformats.org/markup-compatibility/2006" xmlns:a14="http://schemas.microsoft.com/office/drawing/2010/main">
+            <mc:Choice Requires="a14">
               <p:sp>
                 <p:nvSpPr>
                   <p:cNvPr id="140" name="Equation">
@@ -15649,7 +15736,7 @@
                 </p:txBody>
               </p:sp>
             </mc:Choice>
-            <mc:Fallback>
+            <mc:Fallback xmlns="">
               <p:sp>
                 <p:nvSpPr>
                   <p:cNvPr id="140" name="Equation">
@@ -15697,8 +15784,8 @@
               </p:sp>
             </mc:Fallback>
           </mc:AlternateContent>
-          <mc:AlternateContent xmlns:mc="http://schemas.openxmlformats.org/markup-compatibility/2006">
-            <mc:Choice xmlns:a14="http://schemas.microsoft.com/office/drawing/2010/main" Requires="a14">
+          <mc:AlternateContent xmlns:mc="http://schemas.openxmlformats.org/markup-compatibility/2006" xmlns:a14="http://schemas.microsoft.com/office/drawing/2010/main">
+            <mc:Choice Requires="a14">
               <p:sp>
                 <p:nvSpPr>
                   <p:cNvPr id="143" name="Equation">
@@ -15808,7 +15895,7 @@
                 </p:txBody>
               </p:sp>
             </mc:Choice>
-            <mc:Fallback>
+            <mc:Fallback xmlns="">
               <p:sp>
                 <p:nvSpPr>
                   <p:cNvPr id="143" name="Equation">
@@ -17145,8 +17232,8 @@
           </a:p>
         </p:txBody>
       </p:sp>
-      <mc:AlternateContent xmlns:mc="http://schemas.openxmlformats.org/markup-compatibility/2006">
-        <mc:Choice xmlns:a14="http://schemas.microsoft.com/office/drawing/2010/main" Requires="a14">
+      <mc:AlternateContent xmlns:mc="http://schemas.openxmlformats.org/markup-compatibility/2006" xmlns:a14="http://schemas.microsoft.com/office/drawing/2010/main">
+        <mc:Choice Requires="a14">
           <p:sp>
             <p:nvSpPr>
               <p:cNvPr id="27" name="コンテンツ プレースホルダー 4">
@@ -17436,7 +17523,7 @@
             </p:txBody>
           </p:sp>
         </mc:Choice>
-        <mc:Fallback>
+        <mc:Fallback xmlns="">
           <p:sp>
             <p:nvSpPr>
               <p:cNvPr id="27" name="コンテンツ プレースホルダー 4">
@@ -17481,8 +17568,8 @@
           </p:sp>
         </mc:Fallback>
       </mc:AlternateContent>
-      <mc:AlternateContent xmlns:mc="http://schemas.openxmlformats.org/markup-compatibility/2006">
-        <mc:Choice xmlns:a14="http://schemas.microsoft.com/office/drawing/2010/main" Requires="a14">
+      <mc:AlternateContent xmlns:mc="http://schemas.openxmlformats.org/markup-compatibility/2006" xmlns:a14="http://schemas.microsoft.com/office/drawing/2010/main">
+        <mc:Choice Requires="a14">
           <p:sp>
             <p:nvSpPr>
               <p:cNvPr id="28" name="コンテンツ プレースホルダー 4">
@@ -17852,7 +17939,7 @@
             </p:txBody>
           </p:sp>
         </mc:Choice>
-        <mc:Fallback>
+        <mc:Fallback xmlns="">
           <p:sp>
             <p:nvSpPr>
               <p:cNvPr id="28" name="コンテンツ プレースホルダー 4">
@@ -19231,8 +19318,8 @@
           </a:p>
         </p:txBody>
       </p:sp>
-      <mc:AlternateContent xmlns:mc="http://schemas.openxmlformats.org/markup-compatibility/2006">
-        <mc:Choice xmlns:a14="http://schemas.microsoft.com/office/drawing/2010/main" Requires="a14">
+      <mc:AlternateContent xmlns:mc="http://schemas.openxmlformats.org/markup-compatibility/2006" xmlns:a14="http://schemas.microsoft.com/office/drawing/2010/main">
+        <mc:Choice Requires="a14">
           <p:sp>
             <p:nvSpPr>
               <p:cNvPr id="13" name="コンテンツ プレースホルダー 4">
@@ -19537,7 +19624,7 @@
             </p:txBody>
           </p:sp>
         </mc:Choice>
-        <mc:Fallback>
+        <mc:Fallback xmlns="">
           <p:sp>
             <p:nvSpPr>
               <p:cNvPr id="13" name="コンテンツ プレースホルダー 4">
@@ -19582,8 +19669,8 @@
           </p:sp>
         </mc:Fallback>
       </mc:AlternateContent>
-      <mc:AlternateContent xmlns:mc="http://schemas.openxmlformats.org/markup-compatibility/2006">
-        <mc:Choice xmlns:a14="http://schemas.microsoft.com/office/drawing/2010/main" Requires="a14">
+      <mc:AlternateContent xmlns:mc="http://schemas.openxmlformats.org/markup-compatibility/2006" xmlns:a14="http://schemas.microsoft.com/office/drawing/2010/main">
+        <mc:Choice Requires="a14">
           <p:sp>
             <p:nvSpPr>
               <p:cNvPr id="14" name="コンテンツ プレースホルダー 4">
@@ -19963,7 +20050,7 @@
             </p:txBody>
           </p:sp>
         </mc:Choice>
-        <mc:Fallback>
+        <mc:Fallback xmlns="">
           <p:sp>
             <p:nvSpPr>
               <p:cNvPr id="14" name="コンテンツ プレースホルダー 4">
@@ -20688,8 +20775,8 @@
           </a:p>
         </p:txBody>
       </p:sp>
-      <mc:AlternateContent xmlns:mc="http://schemas.openxmlformats.org/markup-compatibility/2006">
-        <mc:Choice xmlns:a14="http://schemas.microsoft.com/office/drawing/2010/main" Requires="a14">
+      <mc:AlternateContent xmlns:mc="http://schemas.openxmlformats.org/markup-compatibility/2006" xmlns:a14="http://schemas.microsoft.com/office/drawing/2010/main">
+        <mc:Choice Requires="a14">
           <p:sp>
             <p:nvSpPr>
               <p:cNvPr id="15" name="コンテンツ プレースホルダー 4">
@@ -20994,7 +21081,7 @@
             </p:txBody>
           </p:sp>
         </mc:Choice>
-        <mc:Fallback>
+        <mc:Fallback xmlns="">
           <p:sp>
             <p:nvSpPr>
               <p:cNvPr id="15" name="コンテンツ プレースホルダー 4">
@@ -21039,8 +21126,8 @@
           </p:sp>
         </mc:Fallback>
       </mc:AlternateContent>
-      <mc:AlternateContent xmlns:mc="http://schemas.openxmlformats.org/markup-compatibility/2006">
-        <mc:Choice xmlns:a14="http://schemas.microsoft.com/office/drawing/2010/main" Requires="a14">
+      <mc:AlternateContent xmlns:mc="http://schemas.openxmlformats.org/markup-compatibility/2006" xmlns:a14="http://schemas.microsoft.com/office/drawing/2010/main">
+        <mc:Choice Requires="a14">
           <p:sp>
             <p:nvSpPr>
               <p:cNvPr id="16" name="コンテンツ プレースホルダー 4">
@@ -21420,7 +21507,7 @@
             </p:txBody>
           </p:sp>
         </mc:Choice>
-        <mc:Fallback>
+        <mc:Fallback xmlns="">
           <p:sp>
             <p:nvSpPr>
               <p:cNvPr id="16" name="コンテンツ プレースホルダー 4">
@@ -21956,8 +22043,8 @@
           </a:p>
         </p:txBody>
       </p:sp>
-      <mc:AlternateContent xmlns:mc="http://schemas.openxmlformats.org/markup-compatibility/2006">
-        <mc:Choice xmlns:a14="http://schemas.microsoft.com/office/drawing/2010/main" Requires="a14">
+      <mc:AlternateContent xmlns:mc="http://schemas.openxmlformats.org/markup-compatibility/2006" xmlns:a14="http://schemas.microsoft.com/office/drawing/2010/main">
+        <mc:Choice Requires="a14">
           <p:sp>
             <p:nvSpPr>
               <p:cNvPr id="8" name="コンテンツ プレースホルダー 4">
@@ -22353,7 +22440,7 @@
             </p:txBody>
           </p:sp>
         </mc:Choice>
-        <mc:Fallback>
+        <mc:Fallback xmlns="">
           <p:sp>
             <p:nvSpPr>
               <p:cNvPr id="8" name="コンテンツ プレースホルダー 4">
@@ -34031,8 +34118,8 @@
           </a:p>
         </p:txBody>
       </p:sp>
-      <mc:AlternateContent xmlns:mc="http://schemas.openxmlformats.org/markup-compatibility/2006">
-        <mc:Choice xmlns:a14="http://schemas.microsoft.com/office/drawing/2010/main" Requires="a14">
+      <mc:AlternateContent xmlns:mc="http://schemas.openxmlformats.org/markup-compatibility/2006" xmlns:a14="http://schemas.microsoft.com/office/drawing/2010/main">
+        <mc:Choice Requires="a14">
           <p:sp>
             <p:nvSpPr>
               <p:cNvPr id="10" name="コンテンツ プレースホルダー 4">
@@ -34450,7 +34537,7 @@
             </p:txBody>
           </p:sp>
         </mc:Choice>
-        <mc:Fallback>
+        <mc:Fallback xmlns="">
           <p:sp>
             <p:nvSpPr>
               <p:cNvPr id="10" name="コンテンツ プレースホルダー 4">
@@ -36851,7 +36938,7 @@
               </a:ln>
               <a:extLst>
                 <a:ext uri="{C572A759-6A51-4108-AA02-DFA0A04FC94B}">
-                  <ma14:wrappingTextBoxFlag xmlns:ma14="http://schemas.microsoft.com/office/mac/drawingml/2011/main" xmlns:a14="http://schemas.microsoft.com/office/drawing/2010/main" xmlns:m="http://schemas.openxmlformats.org/officeDocument/2006/math" xmlns="" val="1"/>
+                  <ma14:wrappingTextBoxFlag xmlns="" xmlns:m="http://schemas.openxmlformats.org/officeDocument/2006/math" xmlns:a14="http://schemas.microsoft.com/office/drawing/2010/main" xmlns:ma14="http://schemas.microsoft.com/office/mac/drawingml/2011/main" val="1"/>
                 </a:ext>
               </a:extLst>
             </p:spPr>
@@ -36954,7 +37041,7 @@
               </a:ln>
               <a:extLst>
                 <a:ext uri="{C572A759-6A51-4108-AA02-DFA0A04FC94B}">
-                  <ma14:wrappingTextBoxFlag xmlns:ma14="http://schemas.microsoft.com/office/mac/drawingml/2011/main" xmlns:a14="http://schemas.microsoft.com/office/drawing/2010/main" xmlns:m="http://schemas.openxmlformats.org/officeDocument/2006/math" xmlns="" val="1"/>
+                  <ma14:wrappingTextBoxFlag xmlns="" xmlns:m="http://schemas.openxmlformats.org/officeDocument/2006/math" xmlns:a14="http://schemas.microsoft.com/office/drawing/2010/main" xmlns:ma14="http://schemas.microsoft.com/office/mac/drawingml/2011/main" val="1"/>
                 </a:ext>
               </a:extLst>
             </p:spPr>
@@ -37008,7 +37095,7 @@
               </a:ln>
               <a:extLst>
                 <a:ext uri="{C572A759-6A51-4108-AA02-DFA0A04FC94B}">
-                  <ma14:wrappingTextBoxFlag xmlns:ma14="http://schemas.microsoft.com/office/mac/drawingml/2011/main" xmlns:a14="http://schemas.microsoft.com/office/drawing/2010/main" xmlns:m="http://schemas.openxmlformats.org/officeDocument/2006/math" xmlns="" val="1"/>
+                  <ma14:wrappingTextBoxFlag xmlns="" xmlns:m="http://schemas.openxmlformats.org/officeDocument/2006/math" xmlns:a14="http://schemas.microsoft.com/office/drawing/2010/main" xmlns:ma14="http://schemas.microsoft.com/office/mac/drawingml/2011/main" val="1"/>
                 </a:ext>
               </a:extLst>
             </p:spPr>
@@ -37055,7 +37142,7 @@
               </a:ln>
               <a:extLst>
                 <a:ext uri="{C572A759-6A51-4108-AA02-DFA0A04FC94B}">
-                  <ma14:wrappingTextBoxFlag xmlns:ma14="http://schemas.microsoft.com/office/mac/drawingml/2011/main" xmlns:a14="http://schemas.microsoft.com/office/drawing/2010/main" xmlns:m="http://schemas.openxmlformats.org/officeDocument/2006/math" xmlns="" val="1"/>
+                  <ma14:wrappingTextBoxFlag xmlns="" xmlns:m="http://schemas.openxmlformats.org/officeDocument/2006/math" xmlns:a14="http://schemas.microsoft.com/office/drawing/2010/main" xmlns:ma14="http://schemas.microsoft.com/office/mac/drawingml/2011/main" val="1"/>
                 </a:ext>
               </a:extLst>
             </p:spPr>
@@ -37223,7 +37310,7 @@
               </a:ln>
               <a:extLst>
                 <a:ext uri="{C572A759-6A51-4108-AA02-DFA0A04FC94B}">
-                  <ma14:wrappingTextBoxFlag xmlns:ma14="http://schemas.microsoft.com/office/mac/drawingml/2011/main" xmlns:a14="http://schemas.microsoft.com/office/drawing/2010/main" xmlns:m="http://schemas.openxmlformats.org/officeDocument/2006/math" xmlns="" val="1"/>
+                  <ma14:wrappingTextBoxFlag xmlns="" xmlns:m="http://schemas.openxmlformats.org/officeDocument/2006/math" xmlns:a14="http://schemas.microsoft.com/office/drawing/2010/main" xmlns:ma14="http://schemas.microsoft.com/office/mac/drawingml/2011/main" val="1"/>
                 </a:ext>
               </a:extLst>
             </p:spPr>
@@ -37245,8 +37332,8 @@
               </a:p>
             </p:txBody>
           </p:sp>
-          <mc:AlternateContent xmlns:mc="http://schemas.openxmlformats.org/markup-compatibility/2006">
-            <mc:Choice xmlns:a14="http://schemas.microsoft.com/office/drawing/2010/main" Requires="a14">
+          <mc:AlternateContent xmlns:mc="http://schemas.openxmlformats.org/markup-compatibility/2006" xmlns:a14="http://schemas.microsoft.com/office/drawing/2010/main">
+            <mc:Choice Requires="a14">
               <p:sp>
                 <p:nvSpPr>
                   <p:cNvPr id="93" name="3.0mm">
@@ -37272,7 +37359,7 @@
                   </a:ln>
                   <a:extLst>
                     <a:ext uri="{C572A759-6A51-4108-AA02-DFA0A04FC94B}">
-                      <ma14:wrappingTextBoxFlag xmlns:ma14="http://schemas.microsoft.com/office/mac/drawingml/2011/main" xmlns:m="http://schemas.openxmlformats.org/officeDocument/2006/math" xmlns="" val="1"/>
+                      <ma14:wrappingTextBoxFlag xmlns="" xmlns:m="http://schemas.openxmlformats.org/officeDocument/2006/math" xmlns:ma14="http://schemas.microsoft.com/office/mac/drawingml/2011/main" val="1"/>
                     </a:ext>
                   </a:extLst>
                 </p:spPr>
@@ -37333,7 +37420,7 @@
                 </p:txBody>
               </p:sp>
             </mc:Choice>
-            <mc:Fallback>
+            <mc:Fallback xmlns="">
               <p:sp>
                 <p:nvSpPr>
                   <p:cNvPr id="93" name="3.0mm">
@@ -37386,8 +37473,8 @@
               </p:sp>
             </mc:Fallback>
           </mc:AlternateContent>
-          <mc:AlternateContent xmlns:mc="http://schemas.openxmlformats.org/markup-compatibility/2006">
-            <mc:Choice xmlns:a14="http://schemas.microsoft.com/office/drawing/2010/main" Requires="a14">
+          <mc:AlternateContent xmlns:mc="http://schemas.openxmlformats.org/markup-compatibility/2006" xmlns:a14="http://schemas.microsoft.com/office/drawing/2010/main">
+            <mc:Choice Requires="a14">
               <p:sp>
                 <p:nvSpPr>
                   <p:cNvPr id="94" name="3.0mm">
@@ -37413,7 +37500,7 @@
                   </a:ln>
                   <a:extLst>
                     <a:ext uri="{C572A759-6A51-4108-AA02-DFA0A04FC94B}">
-                      <ma14:wrappingTextBoxFlag xmlns:ma14="http://schemas.microsoft.com/office/mac/drawingml/2011/main" xmlns:m="http://schemas.openxmlformats.org/officeDocument/2006/math" xmlns="" val="1"/>
+                      <ma14:wrappingTextBoxFlag xmlns="" xmlns:m="http://schemas.openxmlformats.org/officeDocument/2006/math" xmlns:ma14="http://schemas.microsoft.com/office/mac/drawingml/2011/main" val="1"/>
                     </a:ext>
                   </a:extLst>
                 </p:spPr>
@@ -37474,7 +37561,7 @@
                 </p:txBody>
               </p:sp>
             </mc:Choice>
-            <mc:Fallback>
+            <mc:Fallback xmlns="">
               <p:sp>
                 <p:nvSpPr>
                   <p:cNvPr id="94" name="3.0mm">
@@ -37527,8 +37614,8 @@
               </p:sp>
             </mc:Fallback>
           </mc:AlternateContent>
-          <mc:AlternateContent xmlns:mc="http://schemas.openxmlformats.org/markup-compatibility/2006">
-            <mc:Choice xmlns:a14="http://schemas.microsoft.com/office/drawing/2010/main" Requires="a14">
+          <mc:AlternateContent xmlns:mc="http://schemas.openxmlformats.org/markup-compatibility/2006" xmlns:a14="http://schemas.microsoft.com/office/drawing/2010/main">
+            <mc:Choice Requires="a14">
               <p:sp>
                 <p:nvSpPr>
                   <p:cNvPr id="95" name="3.0mm">
@@ -37554,7 +37641,7 @@
                   </a:ln>
                   <a:extLst>
                     <a:ext uri="{C572A759-6A51-4108-AA02-DFA0A04FC94B}">
-                      <ma14:wrappingTextBoxFlag xmlns:ma14="http://schemas.microsoft.com/office/mac/drawingml/2011/main" xmlns:m="http://schemas.openxmlformats.org/officeDocument/2006/math" xmlns="" val="1"/>
+                      <ma14:wrappingTextBoxFlag xmlns="" xmlns:m="http://schemas.openxmlformats.org/officeDocument/2006/math" xmlns:ma14="http://schemas.microsoft.com/office/mac/drawingml/2011/main" val="1"/>
                     </a:ext>
                   </a:extLst>
                 </p:spPr>
@@ -37615,7 +37702,7 @@
                 </p:txBody>
               </p:sp>
             </mc:Choice>
-            <mc:Fallback>
+            <mc:Fallback xmlns="">
               <p:sp>
                 <p:nvSpPr>
                   <p:cNvPr id="95" name="3.0mm">
@@ -37693,7 +37780,7 @@
               </a:ln>
               <a:extLst>
                 <a:ext uri="{C572A759-6A51-4108-AA02-DFA0A04FC94B}">
-                  <ma14:wrappingTextBoxFlag xmlns:ma14="http://schemas.microsoft.com/office/mac/drawingml/2011/main" xmlns:a14="http://schemas.microsoft.com/office/drawing/2010/main" xmlns:m="http://schemas.openxmlformats.org/officeDocument/2006/math" xmlns="" val="1"/>
+                  <ma14:wrappingTextBoxFlag xmlns="" xmlns:m="http://schemas.openxmlformats.org/officeDocument/2006/math" xmlns:a14="http://schemas.microsoft.com/office/drawing/2010/main" xmlns:ma14="http://schemas.microsoft.com/office/mac/drawingml/2011/main" val="1"/>
                 </a:ext>
               </a:extLst>
             </p:spPr>
@@ -37800,7 +37887,7 @@
               </a:ln>
               <a:extLst>
                 <a:ext uri="{C572A759-6A51-4108-AA02-DFA0A04FC94B}">
-                  <ma14:wrappingTextBoxFlag xmlns:ma14="http://schemas.microsoft.com/office/mac/drawingml/2011/main" xmlns:a14="http://schemas.microsoft.com/office/drawing/2010/main" xmlns:m="http://schemas.openxmlformats.org/officeDocument/2006/math" xmlns="" val="1"/>
+                  <ma14:wrappingTextBoxFlag xmlns="" xmlns:m="http://schemas.openxmlformats.org/officeDocument/2006/math" xmlns:a14="http://schemas.microsoft.com/office/drawing/2010/main" xmlns:ma14="http://schemas.microsoft.com/office/mac/drawingml/2011/main" val="1"/>
                 </a:ext>
               </a:extLst>
             </p:spPr>
@@ -37979,8 +38066,8 @@
             </a:fontRef>
           </p:style>
         </p:cxnSp>
-        <mc:AlternateContent xmlns:mc="http://schemas.openxmlformats.org/markup-compatibility/2006">
-          <mc:Choice xmlns:a14="http://schemas.microsoft.com/office/drawing/2010/main" Requires="a14">
+        <mc:AlternateContent xmlns:mc="http://schemas.openxmlformats.org/markup-compatibility/2006" xmlns:a14="http://schemas.microsoft.com/office/drawing/2010/main">
+          <mc:Choice Requires="a14">
             <p:sp>
               <p:nvSpPr>
                 <p:cNvPr id="109" name="Equation">
@@ -38040,7 +38127,7 @@
               </p:txBody>
             </p:sp>
           </mc:Choice>
-          <mc:Fallback>
+          <mc:Fallback xmlns="">
             <p:sp>
               <p:nvSpPr>
                 <p:cNvPr id="109" name="Equation">
@@ -38088,8 +38175,8 @@
             </p:sp>
           </mc:Fallback>
         </mc:AlternateContent>
-        <mc:AlternateContent xmlns:mc="http://schemas.openxmlformats.org/markup-compatibility/2006">
-          <mc:Choice xmlns:a14="http://schemas.microsoft.com/office/drawing/2010/main" Requires="a14">
+        <mc:AlternateContent xmlns:mc="http://schemas.openxmlformats.org/markup-compatibility/2006" xmlns:a14="http://schemas.microsoft.com/office/drawing/2010/main">
+          <mc:Choice Requires="a14">
             <p:sp>
               <p:nvSpPr>
                 <p:cNvPr id="110" name="Equation">
@@ -38146,7 +38233,7 @@
               </p:txBody>
             </p:sp>
           </mc:Choice>
-          <mc:Fallback>
+          <mc:Fallback xmlns="">
             <p:sp>
               <p:nvSpPr>
                 <p:cNvPr id="110" name="Equation">
@@ -38195,8 +38282,8 @@
           </mc:Fallback>
         </mc:AlternateContent>
       </p:grpSp>
-      <mc:AlternateContent xmlns:mc="http://schemas.openxmlformats.org/markup-compatibility/2006">
-        <mc:Choice xmlns:a14="http://schemas.microsoft.com/office/drawing/2010/main" Requires="a14">
+      <mc:AlternateContent xmlns:mc="http://schemas.openxmlformats.org/markup-compatibility/2006" xmlns:a14="http://schemas.microsoft.com/office/drawing/2010/main">
+        <mc:Choice Requires="a14">
           <p:sp>
             <p:nvSpPr>
               <p:cNvPr id="113" name="コンテンツ プレースホルダー 4">
@@ -38532,7 +38619,7 @@
             </p:txBody>
           </p:sp>
         </mc:Choice>
-        <mc:Fallback>
+        <mc:Fallback xmlns="">
           <p:sp>
             <p:nvSpPr>
               <p:cNvPr id="113" name="コンテンツ プレースホルダー 4">
@@ -38577,8 +38664,8 @@
           </p:sp>
         </mc:Fallback>
       </mc:AlternateContent>
-      <mc:AlternateContent xmlns:mc="http://schemas.openxmlformats.org/markup-compatibility/2006">
-        <mc:Choice xmlns:a14="http://schemas.microsoft.com/office/drawing/2010/main" Requires="a14">
+      <mc:AlternateContent xmlns:mc="http://schemas.openxmlformats.org/markup-compatibility/2006" xmlns:a14="http://schemas.microsoft.com/office/drawing/2010/main">
+        <mc:Choice Requires="a14">
           <p:sp>
             <p:nvSpPr>
               <p:cNvPr id="114" name="コンテンツ プレースホルダー 4">
@@ -38904,7 +38991,7 @@
             </p:txBody>
           </p:sp>
         </mc:Choice>
-        <mc:Fallback>
+        <mc:Fallback xmlns="">
           <p:sp>
             <p:nvSpPr>
               <p:cNvPr id="114" name="コンテンツ プレースホルダー 4">
@@ -38949,8 +39036,8 @@
           </p:sp>
         </mc:Fallback>
       </mc:AlternateContent>
-      <mc:AlternateContent xmlns:mc="http://schemas.openxmlformats.org/markup-compatibility/2006">
-        <mc:Choice xmlns:a14="http://schemas.microsoft.com/office/drawing/2010/main" Requires="a14">
+      <mc:AlternateContent xmlns:mc="http://schemas.openxmlformats.org/markup-compatibility/2006" xmlns:a14="http://schemas.microsoft.com/office/drawing/2010/main">
+        <mc:Choice Requires="a14">
           <p:sp>
             <p:nvSpPr>
               <p:cNvPr id="118" name="コンテンツ プレースホルダー 4">
@@ -39197,7 +39284,7 @@
             </p:txBody>
           </p:sp>
         </mc:Choice>
-        <mc:Fallback>
+        <mc:Fallback xmlns="">
           <p:sp>
             <p:nvSpPr>
               <p:cNvPr id="118" name="コンテンツ プレースホルダー 4">
@@ -39272,8 +39359,8 @@
           </a:prstGeom>
         </p:spPr>
       </p:pic>
-      <mc:AlternateContent xmlns:mc="http://schemas.openxmlformats.org/markup-compatibility/2006">
-        <mc:Choice xmlns:a14="http://schemas.microsoft.com/office/drawing/2010/main" Requires="a14">
+      <mc:AlternateContent xmlns:mc="http://schemas.openxmlformats.org/markup-compatibility/2006" xmlns:a14="http://schemas.microsoft.com/office/drawing/2010/main">
+        <mc:Choice Requires="a14">
           <p:sp>
             <p:nvSpPr>
               <p:cNvPr id="122" name="コンテンツ プレースホルダー 4">
@@ -39665,7 +39752,7 @@
             </p:txBody>
           </p:sp>
         </mc:Choice>
-        <mc:Fallback>
+        <mc:Fallback xmlns="">
           <p:sp>
             <p:nvSpPr>
               <p:cNvPr id="122" name="コンテンツ プレースホルダー 4">
